--- a/docs/diagrams/ModelClassDiagram.pptx
+++ b/docs/diagrams/ModelClassDiagram.pptx
@@ -208,7 +208,7 @@
           <a:p>
             <a:fld id="{F5CC4B3F-88C1-4FFA-B1B6-F41C21DC6924}" type="datetimeFigureOut">
               <a:rPr lang="en-US" smtClean="0"/>
-              <a:t>12/5/2018</a:t>
+              <a:t>6/11/2019</a:t>
             </a:fld>
             <a:endParaRPr lang="en-US"/>
           </a:p>
@@ -654,7 +654,7 @@
           <a:p>
             <a:fld id="{78C97017-6FC3-485B-9764-EAC9E56C1D49}" type="datetimeFigureOut">
               <a:rPr lang="en-US" smtClean="0"/>
-              <a:t>12/5/2018</a:t>
+              <a:t>6/11/2019</a:t>
             </a:fld>
             <a:endParaRPr lang="en-US"/>
           </a:p>
@@ -822,7 +822,7 @@
           <a:p>
             <a:fld id="{78C97017-6FC3-485B-9764-EAC9E56C1D49}" type="datetimeFigureOut">
               <a:rPr lang="en-US" smtClean="0"/>
-              <a:t>12/5/2018</a:t>
+              <a:t>6/11/2019</a:t>
             </a:fld>
             <a:endParaRPr lang="en-US"/>
           </a:p>
@@ -1000,7 +1000,7 @@
           <a:p>
             <a:fld id="{78C97017-6FC3-485B-9764-EAC9E56C1D49}" type="datetimeFigureOut">
               <a:rPr lang="en-US" smtClean="0"/>
-              <a:t>12/5/2018</a:t>
+              <a:t>6/11/2019</a:t>
             </a:fld>
             <a:endParaRPr lang="en-US"/>
           </a:p>
@@ -1168,7 +1168,7 @@
           <a:p>
             <a:fld id="{78C97017-6FC3-485B-9764-EAC9E56C1D49}" type="datetimeFigureOut">
               <a:rPr lang="en-US" smtClean="0"/>
-              <a:t>12/5/2018</a:t>
+              <a:t>6/11/2019</a:t>
             </a:fld>
             <a:endParaRPr lang="en-US"/>
           </a:p>
@@ -1413,7 +1413,7 @@
           <a:p>
             <a:fld id="{78C97017-6FC3-485B-9764-EAC9E56C1D49}" type="datetimeFigureOut">
               <a:rPr lang="en-US" smtClean="0"/>
-              <a:t>12/5/2018</a:t>
+              <a:t>6/11/2019</a:t>
             </a:fld>
             <a:endParaRPr lang="en-US"/>
           </a:p>
@@ -1698,7 +1698,7 @@
           <a:p>
             <a:fld id="{78C97017-6FC3-485B-9764-EAC9E56C1D49}" type="datetimeFigureOut">
               <a:rPr lang="en-US" smtClean="0"/>
-              <a:t>12/5/2018</a:t>
+              <a:t>6/11/2019</a:t>
             </a:fld>
             <a:endParaRPr lang="en-US"/>
           </a:p>
@@ -2117,7 +2117,7 @@
           <a:p>
             <a:fld id="{78C97017-6FC3-485B-9764-EAC9E56C1D49}" type="datetimeFigureOut">
               <a:rPr lang="en-US" smtClean="0"/>
-              <a:t>12/5/2018</a:t>
+              <a:t>6/11/2019</a:t>
             </a:fld>
             <a:endParaRPr lang="en-US"/>
           </a:p>
@@ -2234,7 +2234,7 @@
           <a:p>
             <a:fld id="{78C97017-6FC3-485B-9764-EAC9E56C1D49}" type="datetimeFigureOut">
               <a:rPr lang="en-US" smtClean="0"/>
-              <a:t>12/5/2018</a:t>
+              <a:t>6/11/2019</a:t>
             </a:fld>
             <a:endParaRPr lang="en-US"/>
           </a:p>
@@ -2329,7 +2329,7 @@
           <a:p>
             <a:fld id="{78C97017-6FC3-485B-9764-EAC9E56C1D49}" type="datetimeFigureOut">
               <a:rPr lang="en-US" smtClean="0"/>
-              <a:t>12/5/2018</a:t>
+              <a:t>6/11/2019</a:t>
             </a:fld>
             <a:endParaRPr lang="en-US"/>
           </a:p>
@@ -2604,7 +2604,7 @@
           <a:p>
             <a:fld id="{78C97017-6FC3-485B-9764-EAC9E56C1D49}" type="datetimeFigureOut">
               <a:rPr lang="en-US" smtClean="0"/>
-              <a:t>12/5/2018</a:t>
+              <a:t>6/11/2019</a:t>
             </a:fld>
             <a:endParaRPr lang="en-US"/>
           </a:p>
@@ -2856,7 +2856,7 @@
           <a:p>
             <a:fld id="{78C97017-6FC3-485B-9764-EAC9E56C1D49}" type="datetimeFigureOut">
               <a:rPr lang="en-US" smtClean="0"/>
-              <a:t>12/5/2018</a:t>
+              <a:t>6/11/2019</a:t>
             </a:fld>
             <a:endParaRPr lang="en-US"/>
           </a:p>
@@ -3067,7 +3067,7 @@
           <a:p>
             <a:fld id="{78C97017-6FC3-485B-9764-EAC9E56C1D49}" type="datetimeFigureOut">
               <a:rPr lang="en-US" smtClean="0"/>
-              <a:t>12/5/2018</a:t>
+              <a:t>6/11/2019</a:t>
             </a:fld>
             <a:endParaRPr lang="en-US"/>
           </a:p>
@@ -3997,7 +3997,7 @@
                   <a:srgbClr val="7030A0"/>
                 </a:solidFill>
               </a:rPr>
-              <a:t>VersionedAddressBook</a:t>
+              <a:t>AddressBook</a:t>
             </a:r>
             <a:endParaRPr lang="en-SG" sz="1050" dirty="0">
               <a:solidFill>
@@ -4783,7 +4783,7 @@
         </p:nvCxnSpPr>
         <p:spPr>
           <a:xfrm rot="16200000" flipH="1">
-            <a:off x="3566454" y="2680653"/>
+            <a:off x="3432242" y="2693697"/>
             <a:ext cx="274076" cy="1"/>
           </a:xfrm>
           <a:prstGeom prst="bentConnector3">
@@ -4824,7 +4824,7 @@
         </p:nvSpPr>
         <p:spPr>
           <a:xfrm rot="10800000" flipV="1">
-            <a:off x="3562299" y="2386554"/>
+            <a:off x="3428087" y="2399598"/>
             <a:ext cx="282387" cy="157062"/>
           </a:xfrm>
           <a:prstGeom prst="triangle">
@@ -4878,8 +4878,8 @@
         </p:nvSpPr>
         <p:spPr>
           <a:xfrm>
-            <a:off x="1260922" y="1998350"/>
-            <a:ext cx="1443661" cy="364396"/>
+            <a:off x="2834408" y="2030976"/>
+            <a:ext cx="1490560" cy="364396"/>
           </a:xfrm>
           <a:prstGeom prst="rect">
             <a:avLst/>
@@ -5445,62 +5445,6 @@
           </a:p>
         </p:txBody>
       </p:sp>
-      <p:sp>
-        <p:nvSpPr>
-          <p:cNvPr id="55" name="Rectangle 8"/>
-          <p:cNvSpPr/>
-          <p:nvPr/>
-        </p:nvSpPr>
-        <p:spPr>
-          <a:xfrm>
-            <a:off x="3170181" y="1998350"/>
-            <a:ext cx="1060683" cy="364396"/>
-          </a:xfrm>
-          <a:prstGeom prst="rect">
-            <a:avLst/>
-          </a:prstGeom>
-          <a:ln w="19050">
-            <a:solidFill>
-              <a:srgbClr val="7030A0"/>
-            </a:solidFill>
-          </a:ln>
-          <a:effectLst/>
-        </p:spPr>
-        <p:style>
-          <a:lnRef idx="1">
-            <a:schemeClr val="accent4"/>
-          </a:lnRef>
-          <a:fillRef idx="2">
-            <a:schemeClr val="accent4"/>
-          </a:fillRef>
-          <a:effectRef idx="1">
-            <a:schemeClr val="accent4"/>
-          </a:effectRef>
-          <a:fontRef idx="minor">
-            <a:schemeClr val="dk1"/>
-          </a:fontRef>
-        </p:style>
-        <p:txBody>
-          <a:bodyPr rtlCol="0" anchor="ctr"/>
-          <a:lstStyle/>
-          <a:p>
-            <a:pPr algn="ctr"/>
-            <a:r>
-              <a:rPr lang="en-US" sz="1050" dirty="0" err="1">
-                <a:solidFill>
-                  <a:srgbClr val="7030A0"/>
-                </a:solidFill>
-              </a:rPr>
-              <a:t>AddressBook</a:t>
-            </a:r>
-            <a:endParaRPr lang="en-SG" sz="1050" dirty="0">
-              <a:solidFill>
-                <a:srgbClr val="7030A0"/>
-              </a:solidFill>
-            </a:endParaRPr>
-          </a:p>
-        </p:txBody>
-      </p:sp>
       <p:cxnSp>
         <p:nvCxnSpPr>
           <p:cNvPr id="60" name="Straight Arrow Connector 59"/>
@@ -5524,102 +5468,6 @@
             </a:solidFill>
             <a:headEnd type="none" w="med" len="med"/>
             <a:tailEnd type="arrow" w="med" len="med"/>
-          </a:ln>
-          <a:effectLst/>
-        </p:spPr>
-        <p:style>
-          <a:lnRef idx="1">
-            <a:schemeClr val="accent2"/>
-          </a:lnRef>
-          <a:fillRef idx="2">
-            <a:schemeClr val="accent2"/>
-          </a:fillRef>
-          <a:effectRef idx="1">
-            <a:schemeClr val="accent2"/>
-          </a:effectRef>
-          <a:fontRef idx="minor">
-            <a:schemeClr val="dk1"/>
-          </a:fontRef>
-        </p:style>
-      </p:cxnSp>
-      <p:sp>
-        <p:nvSpPr>
-          <p:cNvPr id="68" name="Isosceles Triangle 102"/>
-          <p:cNvSpPr/>
-          <p:nvPr/>
-        </p:nvSpPr>
-        <p:spPr>
-          <a:xfrm rot="16200000">
-            <a:off x="2669073" y="2069158"/>
-            <a:ext cx="271014" cy="187417"/>
-          </a:xfrm>
-          <a:prstGeom prst="triangle">
-            <a:avLst>
-              <a:gd name="adj" fmla="val 44517"/>
-            </a:avLst>
-          </a:prstGeom>
-          <a:solidFill>
-            <a:schemeClr val="accent4">
-              <a:lumMod val="20000"/>
-              <a:lumOff val="80000"/>
-            </a:schemeClr>
-          </a:solidFill>
-          <a:ln w="19050">
-            <a:solidFill>
-              <a:srgbClr val="7030A0"/>
-            </a:solidFill>
-          </a:ln>
-          <a:effectLst/>
-        </p:spPr>
-        <p:style>
-          <a:lnRef idx="1">
-            <a:schemeClr val="accent6"/>
-          </a:lnRef>
-          <a:fillRef idx="2">
-            <a:schemeClr val="accent6"/>
-          </a:fillRef>
-          <a:effectRef idx="1">
-            <a:schemeClr val="accent6"/>
-          </a:effectRef>
-          <a:fontRef idx="minor">
-            <a:schemeClr val="dk1"/>
-          </a:fontRef>
-        </p:style>
-        <p:txBody>
-          <a:bodyPr rtlCol="0" anchor="ctr"/>
-          <a:lstStyle/>
-          <a:p>
-            <a:pPr algn="ctr"/>
-            <a:endParaRPr lang="en-SG" sz="1050"/>
-          </a:p>
-        </p:txBody>
-      </p:sp>
-      <p:cxnSp>
-        <p:nvCxnSpPr>
-          <p:cNvPr id="69" name="Elbow Connector 63"/>
-          <p:cNvCxnSpPr>
-            <a:stCxn id="68" idx="3"/>
-            <a:endCxn id="55" idx="1"/>
-          </p:cNvCxnSpPr>
-          <p:nvPr/>
-        </p:nvCxnSpPr>
-        <p:spPr>
-          <a:xfrm>
-            <a:off x="2898289" y="2177727"/>
-            <a:ext cx="271892" cy="2821"/>
-          </a:xfrm>
-          <a:prstGeom prst="bentConnector3">
-            <a:avLst>
-              <a:gd name="adj1" fmla="val 50000"/>
-            </a:avLst>
-          </a:prstGeom>
-          <a:ln w="19050">
-            <a:solidFill>
-              <a:srgbClr val="7030A0"/>
-            </a:solidFill>
-            <a:prstDash val="sysDot"/>
-            <a:headEnd type="none" w="med" len="med"/>
-            <a:tailEnd type="none" w="med" len="med"/>
           </a:ln>
           <a:effectLst/>
         </p:spPr>
